--- a/文档/QG汇报陈术裕.pptx
+++ b/文档/QG汇报陈术裕.pptx
@@ -13327,7 +13327,7 @@
         </p:blipFill>
         <p:spPr>
           <a:xfrm>
-            <a:off x="4585653" y="3008630"/>
+            <a:off x="985838" y="4678680"/>
             <a:ext cx="5269865" cy="1374140"/>
           </a:xfrm>
           <a:prstGeom prst="rect">
@@ -13348,7 +13348,7 @@
         <p:spPr>
           <a:xfrm>
             <a:off x="986155" y="2640330"/>
-            <a:ext cx="4069080" cy="368300"/>
+            <a:ext cx="4526280" cy="368300"/>
           </a:xfrm>
           <a:prstGeom prst="rect">
             <a:avLst/>
@@ -13362,78 +13362,7 @@
           <a:p>
             <a:r>
               <a:rPr lang="zh-CN" altLang="en-US"/>
-              <a:t>这是如果输入错误，前端给出的警告：</a:t>
-            </a:r>
-            <a:endParaRPr lang="zh-CN" altLang="en-US"/>
-          </a:p>
-        </p:txBody>
-      </p:sp>
-      <p:pic>
-        <p:nvPicPr>
-          <p:cNvPr id="53" name="图片 7"/>
-          <p:cNvPicPr>
-            <a:picLocks noChangeAspect="1"/>
-          </p:cNvPicPr>
-          <p:nvPr/>
-        </p:nvPicPr>
-        <p:blipFill>
-          <a:blip r:embed="rId4"/>
-          <a:stretch>
-            <a:fillRect/>
-          </a:stretch>
-        </p:blipFill>
-        <p:spPr>
-          <a:xfrm>
-            <a:off x="4933315" y="4486275"/>
-            <a:ext cx="4748530" cy="2362200"/>
-          </a:xfrm>
-          <a:prstGeom prst="rect">
-            <a:avLst/>
-          </a:prstGeom>
-          <a:noFill/>
-          <a:ln>
-            <a:noFill/>
-          </a:ln>
-        </p:spPr>
-      </p:pic>
-      <p:sp>
-        <p:nvSpPr>
-          <p:cNvPr id="14" name="文本框 13"/>
-          <p:cNvSpPr txBox="1"/>
-          <p:nvPr/>
-        </p:nvSpPr>
-        <p:spPr>
-          <a:xfrm>
-            <a:off x="968375" y="4799330"/>
-            <a:ext cx="3383280" cy="922020"/>
-          </a:xfrm>
-          <a:prstGeom prst="rect">
-            <a:avLst/>
-          </a:prstGeom>
-          <a:noFill/>
-        </p:spPr>
-        <p:txBody>
-          <a:bodyPr wrap="none" rtlCol="0">
-            <a:spAutoFit/>
-          </a:bodyPr>
-          <a:p>
-            <a:r>
-              <a:rPr lang="zh-CN" altLang="en-US"/>
-              <a:t>这是在后端对用户输入的：</a:t>
-            </a:r>
-            <a:endParaRPr lang="zh-CN" altLang="en-US"/>
-          </a:p>
-          <a:p>
-            <a:r>
-              <a:rPr lang="zh-CN" altLang="en-US"/>
-              <a:t>账号，密码进行正则表达式校验</a:t>
-            </a:r>
-            <a:endParaRPr lang="zh-CN" altLang="en-US"/>
-          </a:p>
-          <a:p>
-            <a:r>
-              <a:rPr lang="zh-CN" altLang="en-US"/>
-              <a:t>的代码</a:t>
+              <a:t>这是如果输入错误，则会给出相应的警告：</a:t>
             </a:r>
             <a:endParaRPr lang="zh-CN" altLang="en-US"/>
           </a:p>
@@ -14014,9 +13943,45 @@
           </a:p>
         </p:txBody>
       </p:sp>
+      <p:sp>
+        <p:nvSpPr>
+          <p:cNvPr id="13" name="文本框 12"/>
+          <p:cNvSpPr txBox="1"/>
+          <p:nvPr/>
+        </p:nvSpPr>
+        <p:spPr>
+          <a:xfrm>
+            <a:off x="968375" y="3555365"/>
+            <a:ext cx="2011680" cy="645160"/>
+          </a:xfrm>
+          <a:prstGeom prst="rect">
+            <a:avLst/>
+          </a:prstGeom>
+          <a:noFill/>
+        </p:spPr>
+        <p:txBody>
+          <a:bodyPr wrap="square" rtlCol="0">
+            <a:spAutoFit/>
+          </a:bodyPr>
+          <a:p>
+            <a:r>
+              <a:rPr lang="zh-CN" altLang="en-US"/>
+              <a:t>这是课程中心学生</a:t>
+            </a:r>
+            <a:endParaRPr lang="zh-CN" altLang="en-US"/>
+          </a:p>
+          <a:p>
+            <a:r>
+              <a:rPr lang="zh-CN" altLang="en-US"/>
+              <a:t>可以看到的效果：</a:t>
+            </a:r>
+            <a:endParaRPr lang="zh-CN" altLang="en-US"/>
+          </a:p>
+        </p:txBody>
+      </p:sp>
       <p:pic>
         <p:nvPicPr>
-          <p:cNvPr id="61" name="图片 15"/>
+          <p:cNvPr id="14" name="图片 14"/>
           <p:cNvPicPr>
             <a:picLocks noChangeAspect="1"/>
           </p:cNvPicPr>
@@ -14030,100 +13995,8 @@
         </p:blipFill>
         <p:spPr>
           <a:xfrm>
-            <a:off x="966153" y="2582228"/>
-            <a:ext cx="5269865" cy="926465"/>
-          </a:xfrm>
-          <a:prstGeom prst="rect">
-            <a:avLst/>
-          </a:prstGeom>
-          <a:noFill/>
-          <a:ln>
-            <a:noFill/>
-          </a:ln>
-        </p:spPr>
-      </p:pic>
-      <p:sp>
-        <p:nvSpPr>
-          <p:cNvPr id="13" name="文本框 12"/>
-          <p:cNvSpPr txBox="1"/>
-          <p:nvPr/>
-        </p:nvSpPr>
-        <p:spPr>
-          <a:xfrm>
-            <a:off x="843280" y="4977130"/>
-            <a:ext cx="2011680" cy="645160"/>
-          </a:xfrm>
-          <a:prstGeom prst="rect">
-            <a:avLst/>
-          </a:prstGeom>
-          <a:noFill/>
-        </p:spPr>
-        <p:txBody>
-          <a:bodyPr wrap="square" rtlCol="0">
-            <a:spAutoFit/>
-          </a:bodyPr>
-          <a:p>
-            <a:r>
-              <a:rPr lang="zh-CN" altLang="en-US"/>
-              <a:t>这是课程中心学生</a:t>
-            </a:r>
-            <a:endParaRPr lang="zh-CN" altLang="en-US"/>
-          </a:p>
-          <a:p>
-            <a:r>
-              <a:rPr lang="zh-CN" altLang="en-US"/>
-              <a:t>可以看到的效果：</a:t>
-            </a:r>
-            <a:endParaRPr lang="zh-CN" altLang="en-US"/>
-          </a:p>
-        </p:txBody>
-      </p:sp>
-      <p:pic>
-        <p:nvPicPr>
-          <p:cNvPr id="14" name="图片 14"/>
-          <p:cNvPicPr>
-            <a:picLocks noChangeAspect="1"/>
-          </p:cNvPicPr>
-          <p:nvPr/>
-        </p:nvPicPr>
-        <p:blipFill>
-          <a:blip r:embed="rId3"/>
-          <a:stretch>
-            <a:fillRect/>
-          </a:stretch>
-        </p:blipFill>
-        <p:spPr>
-          <a:xfrm>
-            <a:off x="3288348" y="3652203"/>
-            <a:ext cx="5269865" cy="3066415"/>
-          </a:xfrm>
-          <a:prstGeom prst="rect">
-            <a:avLst/>
-          </a:prstGeom>
-          <a:noFill/>
-          <a:ln>
-            <a:noFill/>
-          </a:ln>
-        </p:spPr>
-      </p:pic>
-      <p:pic>
-        <p:nvPicPr>
-          <p:cNvPr id="15" name="图片 17"/>
-          <p:cNvPicPr>
-            <a:picLocks noChangeAspect="1"/>
-          </p:cNvPicPr>
-          <p:nvPr/>
-        </p:nvPicPr>
-        <p:blipFill>
-          <a:blip r:embed="rId4"/>
-          <a:stretch>
-            <a:fillRect/>
-          </a:stretch>
-        </p:blipFill>
-        <p:spPr>
-          <a:xfrm>
-            <a:off x="6390005" y="2759710"/>
-            <a:ext cx="3219450" cy="571500"/>
+            <a:off x="3205480" y="2625725"/>
+            <a:ext cx="6380480" cy="3712845"/>
           </a:xfrm>
           <a:prstGeom prst="rect">
             <a:avLst/>
@@ -14688,7 +14561,7 @@
         <p:spPr>
           <a:xfrm>
             <a:off x="968375" y="1721485"/>
-            <a:ext cx="8695055" cy="645160"/>
+            <a:ext cx="8714105" cy="645160"/>
           </a:xfrm>
           <a:prstGeom prst="rect">
             <a:avLst/>
@@ -14742,15 +14615,7 @@
             </a:r>
             <a:r>
               <a:rPr lang="zh-CN" altLang="en-US"/>
-              <a:t>可以让我对每一个服务类（service层）</a:t>
-            </a:r>
-            <a:endParaRPr lang="zh-CN" altLang="en-US"/>
-          </a:p>
-          <a:p>
-            <a:pPr algn="l"/>
-            <a:r>
-              <a:rPr lang="zh-CN" altLang="en-US"/>
-              <a:t>中每一个方法进行测试，</a:t>
+              <a:t>可以让我对每一个方法进行测试，</a:t>
             </a:r>
             <a:r>
               <a:rPr lang="zh-CN" altLang="en-US">
@@ -14768,6 +14633,22 @@
               </a:rPr>
               <a:t>减少</a:t>
             </a:r>
+            <a:endParaRPr lang="zh-CN" altLang="en-US">
+              <a:solidFill>
+                <a:schemeClr val="accent1"/>
+              </a:solidFill>
+              <a:effectLst>
+                <a:outerShdw blurRad="38100" dist="25400" dir="5400000" algn="ctr" rotWithShape="0">
+                  <a:srgbClr val="6E747A">
+                    <a:alpha val="43000"/>
+                  </a:srgbClr>
+                </a:outerShdw>
+              </a:effectLst>
+              <a:sym typeface="+mn-ea"/>
+            </a:endParaRPr>
+          </a:p>
+          <a:p>
+            <a:pPr algn="l"/>
             <a:r>
               <a:rPr lang="zh-CN" altLang="en-US">
                 <a:sym typeface="+mn-ea"/>
@@ -14810,7 +14691,7 @@
                 </a:effectLst>
                 <a:sym typeface="+mn-ea"/>
               </a:rPr>
-              <a:t>开发效率</a:t>
+              <a:t>开发效率。</a:t>
             </a:r>
             <a:endParaRPr lang="zh-CN" altLang="en-US"/>
           </a:p>
@@ -14903,7 +14784,21 @@
                 <a:ea typeface="等线" panose="02010600030101010101" charset="-122"/>
                 <a:sym typeface="+mn-ea"/>
               </a:rPr>
-              <a:t>平台可以在每过24时后定期对数据进行备份，</a:t>
+              <a:t>平台可以在每过24时后定期对数据进行</a:t>
+            </a:r>
+            <a:r>
+              <a:rPr lang="zh-CN" b="1">
+                <a:ea typeface="等线" panose="02010600030101010101" charset="-122"/>
+                <a:sym typeface="+mn-ea"/>
+              </a:rPr>
+              <a:t>备份</a:t>
+            </a:r>
+            <a:r>
+              <a:rPr lang="zh-CN">
+                <a:ea typeface="等线" panose="02010600030101010101" charset="-122"/>
+                <a:sym typeface="+mn-ea"/>
+              </a:rPr>
+              <a:t>，</a:t>
             </a:r>
             <a:endParaRPr lang="zh-CN" altLang="en-US"/>
           </a:p>
@@ -18553,7 +18448,6 @@
           <a:p>
             <a:r>
               <a:rPr lang="zh-CN" altLang="en-US" sz="3200">
-                <a:ln/>
                 <a:solidFill>
                   <a:schemeClr val="accent1"/>
                 </a:solidFill>
@@ -18569,7 +18463,6 @@
             </a:r>
             <a:r>
               <a:rPr lang="en-US" altLang="zh-CN" sz="3200">
-                <a:ln/>
                 <a:solidFill>
                   <a:schemeClr val="accent1"/>
                 </a:solidFill>
@@ -18585,7 +18478,6 @@
             </a:r>
             <a:r>
               <a:rPr lang="zh-CN" altLang="en-US" sz="3200">
-                <a:ln/>
                 <a:solidFill>
                   <a:schemeClr val="accent1"/>
                 </a:solidFill>
@@ -18601,7 +18493,6 @@
             </a:r>
             <a:r>
               <a:rPr lang="en-US" altLang="zh-CN" sz="3200">
-                <a:ln/>
                 <a:solidFill>
                   <a:schemeClr val="accent1"/>
                 </a:solidFill>
@@ -18617,7 +18508,6 @@
             </a:r>
             <a:r>
               <a:rPr lang="zh-CN" altLang="en-US" sz="3200">
-                <a:ln/>
                 <a:solidFill>
                   <a:schemeClr val="accent1"/>
                 </a:solidFill>
@@ -18633,7 +18523,6 @@
             </a:r>
             <a:r>
               <a:rPr lang="en-US" altLang="zh-CN" sz="3200">
-                <a:ln/>
                 <a:solidFill>
                   <a:schemeClr val="accent1"/>
                 </a:solidFill>
@@ -18649,7 +18538,6 @@
             </a:r>
             <a:r>
               <a:rPr lang="zh-CN" altLang="en-US" sz="3200">
-                <a:ln/>
                 <a:solidFill>
                   <a:schemeClr val="accent1"/>
                 </a:solidFill>
@@ -18664,7 +18552,6 @@
               <a:t>课程</a:t>
             </a:r>
             <a:endParaRPr lang="zh-CN" altLang="en-US" sz="3200">
-              <a:ln/>
               <a:solidFill>
                 <a:schemeClr val="accent1"/>
               </a:solidFill>
@@ -20773,7 +20660,6 @@
           <a:p>
             <a:r>
               <a:rPr lang="zh-CN" altLang="en-US" sz="2000" b="1">
-                <a:ln/>
                 <a:solidFill>
                   <a:schemeClr val="accent1"/>
                 </a:solidFill>
@@ -20788,7 +20674,6 @@
               <a:t>登录与注册</a:t>
             </a:r>
             <a:endParaRPr lang="zh-CN" altLang="en-US" sz="2000" b="1">
-              <a:ln/>
               <a:solidFill>
                 <a:schemeClr val="accent1"/>
               </a:solidFill>

--- a/文档/QG汇报陈术裕.pptx
+++ b/文档/QG汇报陈术裕.pptx
@@ -13929,7 +13929,27 @@
             <a:pPr algn="l"/>
             <a:r>
               <a:rPr lang="zh-CN" altLang="en-US"/>
-              <a:t>在课程中心中，对课程进行了热门榜单的排行，可以让学生了解哪些课程更受欢迎，</a:t>
+              <a:t>在课程中心中，对课程进行了</a:t>
+            </a:r>
+            <a:r>
+              <a:rPr lang="zh-CN" altLang="en-US" b="1">
+                <a:ln/>
+                <a:solidFill>
+                  <a:schemeClr val="accent1"/>
+                </a:solidFill>
+                <a:effectLst>
+                  <a:outerShdw blurRad="38100" dist="25400" dir="5400000" algn="ctr" rotWithShape="0">
+                    <a:srgbClr val="6E747A">
+                      <a:alpha val="43000"/>
+                    </a:srgbClr>
+                  </a:outerShdw>
+                </a:effectLst>
+              </a:rPr>
+              <a:t>热门榜单</a:t>
+            </a:r>
+            <a:r>
+              <a:rPr lang="zh-CN" altLang="en-US"/>
+              <a:t>的排行，可以让学生了解哪些课程更受欢迎，</a:t>
             </a:r>
             <a:endParaRPr lang="zh-CN" altLang="en-US"/>
           </a:p>
@@ -13938,42 +13958,6 @@
             <a:r>
               <a:rPr lang="zh-CN" altLang="en-US"/>
               <a:t>以下为展示的效果：</a:t>
-            </a:r>
-            <a:endParaRPr lang="zh-CN" altLang="en-US"/>
-          </a:p>
-        </p:txBody>
-      </p:sp>
-      <p:sp>
-        <p:nvSpPr>
-          <p:cNvPr id="13" name="文本框 12"/>
-          <p:cNvSpPr txBox="1"/>
-          <p:nvPr/>
-        </p:nvSpPr>
-        <p:spPr>
-          <a:xfrm>
-            <a:off x="968375" y="3555365"/>
-            <a:ext cx="2011680" cy="645160"/>
-          </a:xfrm>
-          <a:prstGeom prst="rect">
-            <a:avLst/>
-          </a:prstGeom>
-          <a:noFill/>
-        </p:spPr>
-        <p:txBody>
-          <a:bodyPr wrap="square" rtlCol="0">
-            <a:spAutoFit/>
-          </a:bodyPr>
-          <a:p>
-            <a:r>
-              <a:rPr lang="zh-CN" altLang="en-US"/>
-              <a:t>这是课程中心学生</a:t>
-            </a:r>
-            <a:endParaRPr lang="zh-CN" altLang="en-US"/>
-          </a:p>
-          <a:p>
-            <a:r>
-              <a:rPr lang="zh-CN" altLang="en-US"/>
-              <a:t>可以看到的效果：</a:t>
             </a:r>
             <a:endParaRPr lang="zh-CN" altLang="en-US"/>
           </a:p>
@@ -13995,8 +13979,8 @@
         </p:blipFill>
         <p:spPr>
           <a:xfrm>
-            <a:off x="3205480" y="2625725"/>
-            <a:ext cx="6380480" cy="3712845"/>
+            <a:off x="2894965" y="2461895"/>
+            <a:ext cx="6696710" cy="3896995"/>
           </a:xfrm>
           <a:prstGeom prst="rect">
             <a:avLst/>
@@ -15536,7 +15520,7 @@
         <p:spPr>
           <a:xfrm>
             <a:off x="986155" y="1993900"/>
-            <a:ext cx="8908415" cy="645160"/>
+            <a:ext cx="8930005" cy="645160"/>
           </a:xfrm>
           <a:prstGeom prst="rect">
             <a:avLst/>
@@ -15553,7 +15537,7 @@
               <a:t>使用了</a:t>
             </a:r>
             <a:r>
-              <a:rPr lang="en-US" altLang="zh-CN"/>
+              <a:rPr lang="en-US" altLang="zh-CN" b="1"/>
               <a:t>MVC</a:t>
             </a:r>
             <a:r>
@@ -18382,8 +18366,8 @@
         </p:nvSpPr>
         <p:spPr>
           <a:xfrm>
-            <a:off x="968375" y="3709670"/>
-            <a:ext cx="8869680" cy="1691640"/>
+            <a:off x="2083435" y="3773170"/>
+            <a:ext cx="4989830" cy="675640"/>
           </a:xfrm>
           <a:prstGeom prst="rect">
             <a:avLst/>
@@ -18395,8 +18379,11 @@
             <a:spAutoFit/>
           </a:bodyPr>
           <a:p>
-            <a:r>
-              <a:rPr lang="zh-CN" altLang="en-US" b="1">
+            <a:endParaRPr lang="zh-CN" altLang="en-US"/>
+          </a:p>
+          <a:p>
+            <a:r>
+              <a:rPr lang="en-US" altLang="zh-CN" sz="2000">
                 <a:solidFill>
                   <a:schemeClr val="accent1"/>
                 </a:solidFill>
@@ -18408,46 +18395,128 @@
                   </a:outerShdw>
                 </a:effectLst>
               </a:rPr>
-              <a:t>另外：</a:t>
-            </a:r>
-            <a:r>
-              <a:rPr lang="zh-CN" altLang="en-US"/>
-              <a:t>再加上中期检查的时候，学长给我提了一个建议，就是可以对这个学习平台</a:t>
-            </a:r>
-            <a:r>
-              <a:rPr lang="zh-CN" altLang="en-US"/>
-              <a:t>创建</a:t>
-            </a:r>
-            <a:endParaRPr lang="zh-CN" altLang="en-US"/>
-          </a:p>
-          <a:p>
-            <a:r>
-              <a:rPr lang="zh-CN" altLang="en-US"/>
-              <a:t>一个管理员角色，没有哪个平台系统不需要管理员进行全局管理，于是，这个项目大致</a:t>
-            </a:r>
-            <a:endParaRPr lang="zh-CN" altLang="en-US"/>
-          </a:p>
-          <a:p>
-            <a:r>
-              <a:rPr lang="zh-CN" altLang="en-US"/>
-              <a:t>分为以下</a:t>
-            </a:r>
-            <a:r>
-              <a:rPr lang="zh-CN" altLang="en-US"/>
-              <a:t>四大</a:t>
-            </a:r>
-            <a:r>
-              <a:rPr lang="zh-CN" altLang="en-US"/>
-              <a:t>块：</a:t>
-            </a:r>
-            <a:endParaRPr lang="zh-CN" altLang="en-US"/>
-          </a:p>
-          <a:p>
-            <a:endParaRPr lang="zh-CN" altLang="en-US"/>
-          </a:p>
-          <a:p>
-            <a:r>
-              <a:rPr lang="zh-CN" altLang="en-US" sz="3200">
+              <a:t>   </a:t>
+            </a:r>
+            <a:r>
+              <a:rPr lang="zh-CN" altLang="en-US" sz="2000">
+                <a:ln/>
+                <a:solidFill>
+                  <a:schemeClr val="tx1"/>
+                </a:solidFill>
+                <a:effectLst>
+                  <a:outerShdw blurRad="38100" dist="19050" dir="2700000" algn="tl" rotWithShape="0">
+                    <a:schemeClr val="dk1">
+                      <a:alpha val="40000"/>
+                    </a:schemeClr>
+                  </a:outerShdw>
+                </a:effectLst>
+              </a:rPr>
+              <a:t>教师</a:t>
+            </a:r>
+            <a:r>
+              <a:rPr lang="en-US" altLang="zh-CN" sz="2000">
+                <a:ln/>
+                <a:solidFill>
+                  <a:schemeClr val="tx1"/>
+                </a:solidFill>
+                <a:effectLst>
+                  <a:outerShdw blurRad="38100" dist="19050" dir="2700000" algn="tl" rotWithShape="0">
+                    <a:schemeClr val="dk1">
+                      <a:alpha val="40000"/>
+                    </a:schemeClr>
+                  </a:outerShdw>
+                </a:effectLst>
+              </a:rPr>
+              <a:t>                      </a:t>
+            </a:r>
+            <a:r>
+              <a:rPr lang="zh-CN" altLang="en-US" sz="2000">
+                <a:ln/>
+                <a:solidFill>
+                  <a:schemeClr val="tx1"/>
+                </a:solidFill>
+                <a:effectLst>
+                  <a:outerShdw blurRad="38100" dist="19050" dir="2700000" algn="tl" rotWithShape="0">
+                    <a:schemeClr val="dk1">
+                      <a:alpha val="40000"/>
+                    </a:schemeClr>
+                  </a:outerShdw>
+                </a:effectLst>
+              </a:rPr>
+              <a:t>学生</a:t>
+            </a:r>
+            <a:r>
+              <a:rPr lang="en-US" altLang="zh-CN" sz="2000">
+                <a:ln/>
+                <a:solidFill>
+                  <a:schemeClr val="tx1"/>
+                </a:solidFill>
+                <a:effectLst>
+                  <a:outerShdw blurRad="38100" dist="19050" dir="2700000" algn="tl" rotWithShape="0">
+                    <a:schemeClr val="dk1">
+                      <a:alpha val="40000"/>
+                    </a:schemeClr>
+                  </a:outerShdw>
+                </a:effectLst>
+              </a:rPr>
+              <a:t>                      </a:t>
+            </a:r>
+            <a:r>
+              <a:rPr lang="zh-CN" altLang="en-US" sz="2000">
+                <a:ln/>
+                <a:solidFill>
+                  <a:schemeClr val="tx1"/>
+                </a:solidFill>
+                <a:effectLst>
+                  <a:outerShdw blurRad="38100" dist="19050" dir="2700000" algn="tl" rotWithShape="0">
+                    <a:schemeClr val="dk1">
+                      <a:alpha val="40000"/>
+                    </a:schemeClr>
+                  </a:outerShdw>
+                </a:effectLst>
+              </a:rPr>
+              <a:t>课程</a:t>
+            </a:r>
+            <a:endParaRPr lang="zh-CN" altLang="en-US" sz="2000">
+              <a:ln/>
+              <a:solidFill>
+                <a:schemeClr val="tx1"/>
+              </a:solidFill>
+              <a:effectLst>
+                <a:outerShdw blurRad="38100" dist="19050" dir="2700000" algn="tl" rotWithShape="0">
+                  <a:schemeClr val="dk1">
+                    <a:alpha val="40000"/>
+                  </a:schemeClr>
+                </a:outerShdw>
+              </a:effectLst>
+            </a:endParaRPr>
+          </a:p>
+        </p:txBody>
+      </p:sp>
+      <p:sp>
+        <p:nvSpPr>
+          <p:cNvPr id="14" name="文本框 13"/>
+          <p:cNvSpPr txBox="1"/>
+          <p:nvPr/>
+        </p:nvSpPr>
+        <p:spPr>
+          <a:xfrm>
+            <a:off x="968375" y="3460750"/>
+            <a:ext cx="2926080" cy="368300"/>
+          </a:xfrm>
+          <a:prstGeom prst="rect">
+            <a:avLst/>
+          </a:prstGeom>
+          <a:noFill/>
+        </p:spPr>
+        <p:txBody>
+          <a:bodyPr wrap="none" rtlCol="0">
+            <a:spAutoFit/>
+          </a:bodyPr>
+          <a:p>
+            <a:r>
+              <a:rPr lang="zh-CN" altLang="en-US" b="1">
+                <a:ln/>
                 <a:solidFill>
                   <a:schemeClr val="accent1"/>
                 </a:solidFill>
@@ -18459,10 +18528,40 @@
                   </a:outerShdw>
                 </a:effectLst>
               </a:rPr>
-              <a:t>管理员</a:t>
-            </a:r>
-            <a:r>
-              <a:rPr lang="en-US" altLang="zh-CN" sz="3200">
+              <a:t>总体</a:t>
+            </a:r>
+            <a:r>
+              <a:rPr lang="zh-CN" altLang="en-US"/>
+              <a:t>分为三大快，三小块：</a:t>
+            </a:r>
+            <a:endParaRPr lang="zh-CN" altLang="en-US"/>
+          </a:p>
+        </p:txBody>
+      </p:sp>
+      <p:sp>
+        <p:nvSpPr>
+          <p:cNvPr id="15" name="文本框 14"/>
+          <p:cNvSpPr txBox="1"/>
+          <p:nvPr/>
+        </p:nvSpPr>
+        <p:spPr>
+          <a:xfrm>
+            <a:off x="986155" y="4080510"/>
+            <a:ext cx="1097280" cy="368300"/>
+          </a:xfrm>
+          <a:prstGeom prst="rect">
+            <a:avLst/>
+          </a:prstGeom>
+          <a:noFill/>
+        </p:spPr>
+        <p:txBody>
+          <a:bodyPr wrap="none" rtlCol="0">
+            <a:spAutoFit/>
+          </a:bodyPr>
+          <a:p>
+            <a:r>
+              <a:rPr lang="zh-CN" altLang="en-US" b="1">
+                <a:ln/>
                 <a:solidFill>
                   <a:schemeClr val="accent1"/>
                 </a:solidFill>
@@ -18474,84 +18573,10 @@
                   </a:outerShdw>
                 </a:effectLst>
               </a:rPr>
-              <a:t>      </a:t>
-            </a:r>
-            <a:r>
-              <a:rPr lang="zh-CN" altLang="en-US" sz="3200">
-                <a:solidFill>
-                  <a:schemeClr val="accent1"/>
-                </a:solidFill>
-                <a:effectLst>
-                  <a:outerShdw blurRad="38100" dist="25400" dir="5400000" algn="ctr" rotWithShape="0">
-                    <a:srgbClr val="6E747A">
-                      <a:alpha val="43000"/>
-                    </a:srgbClr>
-                  </a:outerShdw>
-                </a:effectLst>
-              </a:rPr>
-              <a:t>教师</a:t>
-            </a:r>
-            <a:r>
-              <a:rPr lang="en-US" altLang="zh-CN" sz="3200">
-                <a:solidFill>
-                  <a:schemeClr val="accent1"/>
-                </a:solidFill>
-                <a:effectLst>
-                  <a:outerShdw blurRad="38100" dist="25400" dir="5400000" algn="ctr" rotWithShape="0">
-                    <a:srgbClr val="6E747A">
-                      <a:alpha val="43000"/>
-                    </a:srgbClr>
-                  </a:outerShdw>
-                </a:effectLst>
-              </a:rPr>
-              <a:t>      </a:t>
-            </a:r>
-            <a:r>
-              <a:rPr lang="zh-CN" altLang="en-US" sz="3200">
-                <a:solidFill>
-                  <a:schemeClr val="accent1"/>
-                </a:solidFill>
-                <a:effectLst>
-                  <a:outerShdw blurRad="38100" dist="25400" dir="5400000" algn="ctr" rotWithShape="0">
-                    <a:srgbClr val="6E747A">
-                      <a:alpha val="43000"/>
-                    </a:srgbClr>
-                  </a:outerShdw>
-                </a:effectLst>
-              </a:rPr>
-              <a:t>学生</a:t>
-            </a:r>
-            <a:r>
-              <a:rPr lang="en-US" altLang="zh-CN" sz="3200">
-                <a:solidFill>
-                  <a:schemeClr val="accent1"/>
-                </a:solidFill>
-                <a:effectLst>
-                  <a:outerShdw blurRad="38100" dist="25400" dir="5400000" algn="ctr" rotWithShape="0">
-                    <a:srgbClr val="6E747A">
-                      <a:alpha val="43000"/>
-                    </a:srgbClr>
-                  </a:outerShdw>
-                </a:effectLst>
-              </a:rPr>
-              <a:t>      </a:t>
-            </a:r>
-            <a:r>
-              <a:rPr lang="zh-CN" altLang="en-US" sz="3200">
-                <a:solidFill>
-                  <a:schemeClr val="accent1"/>
-                </a:solidFill>
-                <a:effectLst>
-                  <a:outerShdw blurRad="38100" dist="25400" dir="5400000" algn="ctr" rotWithShape="0">
-                    <a:srgbClr val="6E747A">
-                      <a:alpha val="43000"/>
-                    </a:srgbClr>
-                  </a:outerShdw>
-                </a:effectLst>
-              </a:rPr>
-              <a:t>课程</a:t>
-            </a:r>
-            <a:endParaRPr lang="zh-CN" altLang="en-US" sz="3200">
+              <a:t>三大块：</a:t>
+            </a:r>
+            <a:endParaRPr lang="zh-CN" altLang="en-US" b="1">
+              <a:ln/>
               <a:solidFill>
                 <a:schemeClr val="accent1"/>
               </a:solidFill>
@@ -18563,6 +18588,87 @@
                 </a:outerShdw>
               </a:effectLst>
             </a:endParaRPr>
+          </a:p>
+        </p:txBody>
+      </p:sp>
+      <p:sp>
+        <p:nvSpPr>
+          <p:cNvPr id="16" name="文本框 15"/>
+          <p:cNvSpPr txBox="1"/>
+          <p:nvPr/>
+        </p:nvSpPr>
+        <p:spPr>
+          <a:xfrm>
+            <a:off x="986155" y="4869180"/>
+            <a:ext cx="6256020" cy="398780"/>
+          </a:xfrm>
+          <a:prstGeom prst="rect">
+            <a:avLst/>
+          </a:prstGeom>
+          <a:noFill/>
+        </p:spPr>
+        <p:txBody>
+          <a:bodyPr wrap="none" rtlCol="0">
+            <a:spAutoFit/>
+          </a:bodyPr>
+          <a:p>
+            <a:r>
+              <a:rPr lang="zh-CN" altLang="en-US" b="1">
+                <a:ln/>
+                <a:solidFill>
+                  <a:schemeClr val="accent1"/>
+                </a:solidFill>
+                <a:effectLst>
+                  <a:outerShdw blurRad="38100" dist="25400" dir="5400000" algn="ctr" rotWithShape="0">
+                    <a:srgbClr val="6E747A">
+                      <a:alpha val="43000"/>
+                    </a:srgbClr>
+                  </a:outerShdw>
+                </a:effectLst>
+              </a:rPr>
+              <a:t>三小块：</a:t>
+            </a:r>
+            <a:r>
+              <a:rPr lang="en-US" altLang="zh-CN" b="1">
+                <a:ln/>
+                <a:solidFill>
+                  <a:schemeClr val="accent1"/>
+                </a:solidFill>
+                <a:effectLst>
+                  <a:outerShdw blurRad="38100" dist="25400" dir="5400000" algn="ctr" rotWithShape="0">
+                    <a:srgbClr val="6E747A">
+                      <a:alpha val="43000"/>
+                    </a:srgbClr>
+                  </a:outerShdw>
+                </a:effectLst>
+              </a:rPr>
+              <a:t> </a:t>
+            </a:r>
+            <a:r>
+              <a:rPr lang="en-US" altLang="zh-CN"/>
+              <a:t>     </a:t>
+            </a:r>
+            <a:r>
+              <a:rPr lang="zh-CN" altLang="en-US" sz="2000" b="1"/>
+              <a:t>章节</a:t>
+            </a:r>
+            <a:r>
+              <a:rPr lang="en-US" altLang="zh-CN" sz="2000" b="1"/>
+              <a:t>                      </a:t>
+            </a:r>
+            <a:r>
+              <a:rPr lang="zh-CN" altLang="en-US" sz="2000" b="1"/>
+              <a:t>题目</a:t>
+            </a:r>
+            <a:r>
+              <a:rPr lang="en-US" altLang="zh-CN" sz="2000" b="1"/>
+              <a:t>                     </a:t>
+            </a:r>
+            <a:r>
+              <a:rPr lang="zh-CN" altLang="en-US" sz="2000" b="1"/>
+              <a:t>讨论区</a:t>
+            </a:r>
+            <a:endParaRPr lang="zh-CN" altLang="en-US" sz="2000" b="1"/>
           </a:p>
         </p:txBody>
       </p:sp>
@@ -19527,14 +19633,14 @@
       </p:sp>
       <p:sp>
         <p:nvSpPr>
-          <p:cNvPr id="5" name="文本框 4"/>
+          <p:cNvPr id="7" name="文本框 6"/>
           <p:cNvSpPr txBox="1"/>
           <p:nvPr/>
         </p:nvSpPr>
         <p:spPr>
           <a:xfrm>
-            <a:off x="968375" y="1322705"/>
-            <a:ext cx="5459095" cy="398780"/>
+            <a:off x="968375" y="1266825"/>
+            <a:ext cx="5673725" cy="398780"/>
           </a:xfrm>
           <a:prstGeom prst="rect">
             <a:avLst/>
@@ -19547,16 +19653,16 @@
           </a:bodyPr>
           <a:p>
             <a:r>
-              <a:rPr lang="en-US" altLang="zh-CN"/>
+              <a:rPr lang="en-US" altLang="zh-CN" b="1"/>
               <a:t>1.</a:t>
             </a:r>
             <a:r>
               <a:rPr lang="zh-CN" altLang="en-US" sz="2000" b="1"/>
-              <a:t>管理员</a:t>
+              <a:t>教师</a:t>
             </a:r>
             <a:r>
               <a:rPr lang="zh-CN" altLang="en-US"/>
-              <a:t>：管理老师、课程、学生、留言等所有信息</a:t>
+              <a:t>：开设课程，设置题目，与学生参与讨论学习等</a:t>
             </a:r>
             <a:endParaRPr lang="zh-CN" altLang="en-US"/>
           </a:p>
@@ -19564,14 +19670,14 @@
       </p:sp>
       <p:sp>
         <p:nvSpPr>
-          <p:cNvPr id="7" name="文本框 6"/>
+          <p:cNvPr id="14" name="文本框 13"/>
           <p:cNvSpPr txBox="1"/>
           <p:nvPr/>
         </p:nvSpPr>
         <p:spPr>
           <a:xfrm>
-            <a:off x="968375" y="1870075"/>
-            <a:ext cx="5438775" cy="398780"/>
+            <a:off x="968375" y="1962150"/>
+            <a:ext cx="4530725" cy="398780"/>
           </a:xfrm>
           <a:prstGeom prst="rect">
             <a:avLst/>
@@ -19584,53 +19690,8 @@
           </a:bodyPr>
           <a:p>
             <a:r>
-              <a:rPr lang="en-US" altLang="zh-CN"/>
-              <a:t>2</a:t>
-            </a:r>
-            <a:r>
               <a:rPr lang="en-US" altLang="zh-CN" b="1"/>
-              <a:t>.</a:t>
-            </a:r>
-            <a:r>
-              <a:rPr lang="zh-CN" altLang="en-US" sz="2000" b="1"/>
-              <a:t>教师</a:t>
-            </a:r>
-            <a:r>
-              <a:rPr lang="zh-CN" altLang="en-US"/>
-              <a:t>：开设课程，设置题目，与学生参与讨论学习</a:t>
-            </a:r>
-            <a:endParaRPr lang="zh-CN" altLang="en-US"/>
-          </a:p>
-        </p:txBody>
-      </p:sp>
-      <p:sp>
-        <p:nvSpPr>
-          <p:cNvPr id="14" name="文本框 13"/>
-          <p:cNvSpPr txBox="1"/>
-          <p:nvPr/>
-        </p:nvSpPr>
-        <p:spPr>
-          <a:xfrm>
-            <a:off x="968375" y="2417445"/>
-            <a:ext cx="2009775" cy="398780"/>
-          </a:xfrm>
-          <a:prstGeom prst="rect">
-            <a:avLst/>
-          </a:prstGeom>
-          <a:noFill/>
-        </p:spPr>
-        <p:txBody>
-          <a:bodyPr wrap="none" rtlCol="0">
-            <a:spAutoFit/>
-          </a:bodyPr>
-          <a:p>
-            <a:r>
-              <a:rPr lang="en-US" altLang="zh-CN"/>
-              <a:t>3</a:t>
-            </a:r>
-            <a:r>
-              <a:rPr lang="en-US" altLang="zh-CN" b="1"/>
-              <a:t>.</a:t>
+              <a:t>2.</a:t>
             </a:r>
             <a:r>
               <a:rPr lang="zh-CN" altLang="en-US" sz="2000" b="1"/>
@@ -19638,7 +19699,7 @@
             </a:r>
             <a:r>
               <a:rPr lang="zh-CN" altLang="en-US"/>
-              <a:t>：学习课程</a:t>
+              <a:t>：学习课程，回答题目，提出疑问等</a:t>
             </a:r>
             <a:endParaRPr lang="zh-CN" altLang="en-US"/>
           </a:p>
@@ -19646,7 +19707,7 @@
       </p:sp>
       <p:pic>
         <p:nvPicPr>
-          <p:cNvPr id="15" name="图片 2"/>
+          <p:cNvPr id="13" name="图片 12"/>
           <p:cNvPicPr>
             <a:picLocks noChangeAspect="1"/>
           </p:cNvPicPr>
@@ -19660,16 +19721,12 @@
         </p:blipFill>
         <p:spPr>
           <a:xfrm>
-            <a:off x="968375" y="2785745"/>
-            <a:ext cx="7193915" cy="3902075"/>
-          </a:xfrm>
-          <a:prstGeom prst="rect">
-            <a:avLst/>
-          </a:prstGeom>
-          <a:noFill/>
-          <a:ln>
-            <a:noFill/>
-          </a:ln>
+            <a:off x="968375" y="2461895"/>
+            <a:ext cx="7463155" cy="3620135"/>
+          </a:xfrm>
+          <a:prstGeom prst="rect">
+            <a:avLst/>
+          </a:prstGeom>
         </p:spPr>
       </p:pic>
     </p:spTree>
